--- a/z_zvit/kr.pptx
+++ b/z_zvit/kr.pptx
@@ -5,20 +5,24 @@
     <p:sldMasterId id="2147483695" r:id="rId1"/>
   </p:sldMasterIdLst>
   <p:sldIdLst>
-    <p:sldId id="256" r:id="rId2"/>
+    <p:sldId id="274" r:id="rId2"/>
     <p:sldId id="257" r:id="rId3"/>
-    <p:sldId id="259" r:id="rId4"/>
-    <p:sldId id="268" r:id="rId5"/>
-    <p:sldId id="269" r:id="rId6"/>
-    <p:sldId id="260" r:id="rId7"/>
-    <p:sldId id="264" r:id="rId8"/>
-    <p:sldId id="261" r:id="rId9"/>
-    <p:sldId id="262" r:id="rId10"/>
-    <p:sldId id="263" r:id="rId11"/>
-    <p:sldId id="265" r:id="rId12"/>
-    <p:sldId id="266" r:id="rId13"/>
-    <p:sldId id="267" r:id="rId14"/>
-    <p:sldId id="258" r:id="rId15"/>
+    <p:sldId id="273" r:id="rId4"/>
+    <p:sldId id="259" r:id="rId5"/>
+    <p:sldId id="268" r:id="rId6"/>
+    <p:sldId id="269" r:id="rId7"/>
+    <p:sldId id="260" r:id="rId8"/>
+    <p:sldId id="264" r:id="rId9"/>
+    <p:sldId id="261" r:id="rId10"/>
+    <p:sldId id="262" r:id="rId11"/>
+    <p:sldId id="263" r:id="rId12"/>
+    <p:sldId id="265" r:id="rId13"/>
+    <p:sldId id="266" r:id="rId14"/>
+    <p:sldId id="267" r:id="rId15"/>
+    <p:sldId id="270" r:id="rId16"/>
+    <p:sldId id="271" r:id="rId17"/>
+    <p:sldId id="272" r:id="rId18"/>
+    <p:sldId id="258" r:id="rId19"/>
   </p:sldIdLst>
   <p:sldSz cx="12192000" cy="6858000"/>
   <p:notesSz cx="6858000" cy="9144000"/>
@@ -293,7 +297,7 @@
           <a:p>
             <a:fld id="{92D0B022-58D8-4E6A-B195-B98871696B65}" type="datetimeFigureOut">
               <a:rPr lang="ru-RU" smtClean="0"/>
-              <a:t>21.12.2017</a:t>
+              <a:t>22.12.2017</a:t>
             </a:fld>
             <a:endParaRPr lang="ru-RU"/>
           </a:p>
@@ -521,7 +525,7 @@
           <a:p>
             <a:fld id="{92D0B022-58D8-4E6A-B195-B98871696B65}" type="datetimeFigureOut">
               <a:rPr lang="ru-RU" smtClean="0"/>
-              <a:t>21.12.2017</a:t>
+              <a:t>22.12.2017</a:t>
             </a:fld>
             <a:endParaRPr lang="ru-RU"/>
           </a:p>
@@ -701,7 +705,7 @@
           <a:p>
             <a:fld id="{92D0B022-58D8-4E6A-B195-B98871696B65}" type="datetimeFigureOut">
               <a:rPr lang="ru-RU" smtClean="0"/>
-              <a:t>21.12.2017</a:t>
+              <a:t>22.12.2017</a:t>
             </a:fld>
             <a:endParaRPr lang="ru-RU"/>
           </a:p>
@@ -871,7 +875,7 @@
           <a:p>
             <a:fld id="{92D0B022-58D8-4E6A-B195-B98871696B65}" type="datetimeFigureOut">
               <a:rPr lang="ru-RU" smtClean="0"/>
-              <a:t>21.12.2017</a:t>
+              <a:t>22.12.2017</a:t>
             </a:fld>
             <a:endParaRPr lang="ru-RU"/>
           </a:p>
@@ -1125,7 +1129,7 @@
           <a:p>
             <a:fld id="{92D0B022-58D8-4E6A-B195-B98871696B65}" type="datetimeFigureOut">
               <a:rPr lang="ru-RU" smtClean="0"/>
-              <a:t>21.12.2017</a:t>
+              <a:t>22.12.2017</a:t>
             </a:fld>
             <a:endParaRPr lang="ru-RU"/>
           </a:p>
@@ -1451,7 +1455,7 @@
           <a:p>
             <a:fld id="{92D0B022-58D8-4E6A-B195-B98871696B65}" type="datetimeFigureOut">
               <a:rPr lang="ru-RU" smtClean="0"/>
-              <a:t>21.12.2017</a:t>
+              <a:t>22.12.2017</a:t>
             </a:fld>
             <a:endParaRPr lang="ru-RU"/>
           </a:p>
@@ -1902,7 +1906,7 @@
           <a:p>
             <a:fld id="{92D0B022-58D8-4E6A-B195-B98871696B65}" type="datetimeFigureOut">
               <a:rPr lang="ru-RU" smtClean="0"/>
-              <a:t>21.12.2017</a:t>
+              <a:t>22.12.2017</a:t>
             </a:fld>
             <a:endParaRPr lang="ru-RU"/>
           </a:p>
@@ -2020,7 +2024,7 @@
           <a:p>
             <a:fld id="{92D0B022-58D8-4E6A-B195-B98871696B65}" type="datetimeFigureOut">
               <a:rPr lang="ru-RU" smtClean="0"/>
-              <a:t>21.12.2017</a:t>
+              <a:t>22.12.2017</a:t>
             </a:fld>
             <a:endParaRPr lang="ru-RU"/>
           </a:p>
@@ -2115,7 +2119,7 @@
           <a:p>
             <a:fld id="{92D0B022-58D8-4E6A-B195-B98871696B65}" type="datetimeFigureOut">
               <a:rPr lang="ru-RU" smtClean="0"/>
-              <a:t>21.12.2017</a:t>
+              <a:t>22.12.2017</a:t>
             </a:fld>
             <a:endParaRPr lang="ru-RU"/>
           </a:p>
@@ -2402,7 +2406,7 @@
           <a:p>
             <a:fld id="{92D0B022-58D8-4E6A-B195-B98871696B65}" type="datetimeFigureOut">
               <a:rPr lang="ru-RU" smtClean="0"/>
-              <a:t>21.12.2017</a:t>
+              <a:t>22.12.2017</a:t>
             </a:fld>
             <a:endParaRPr lang="ru-RU"/>
           </a:p>
@@ -2727,7 +2731,7 @@
           <a:p>
             <a:fld id="{92D0B022-58D8-4E6A-B195-B98871696B65}" type="datetimeFigureOut">
               <a:rPr lang="ru-RU" smtClean="0"/>
-              <a:t>21.12.2017</a:t>
+              <a:t>22.12.2017</a:t>
             </a:fld>
             <a:endParaRPr lang="ru-RU"/>
           </a:p>
@@ -2981,7 +2985,7 @@
           <a:p>
             <a:fld id="{92D0B022-58D8-4E6A-B195-B98871696B65}" type="datetimeFigureOut">
               <a:rPr lang="ru-RU" smtClean="0"/>
-              <a:t>21.12.2017</a:t>
+              <a:t>22.12.2017</a:t>
             </a:fld>
             <a:endParaRPr lang="ru-RU"/>
           </a:p>
@@ -3476,13 +3480,13 @@
             <a:spLocks noGrp="1"/>
           </p:cNvSpPr>
           <p:nvPr>
-            <p:ph type="ctrTitle"/>
+            <p:ph type="title"/>
           </p:nvPr>
         </p:nvSpPr>
         <p:spPr>
           <a:xfrm>
-            <a:off x="1630362" y="1891716"/>
-            <a:ext cx="9418320" cy="4041648"/>
+            <a:off x="784200" y="5532438"/>
+            <a:ext cx="9692640" cy="1325562"/>
           </a:xfrm>
         </p:spPr>
         <p:txBody>
@@ -3493,40 +3497,93 @@
           <a:p>
             <a:pPr algn="ctr"/>
             <a:r>
-              <a:rPr lang="en-US" dirty="0" smtClean="0"/>
-              <a:t> </a:t>
-            </a:r>
+              <a:rPr lang="uk-UA" dirty="0"/>
+              <a:t>Міністерство науки і освіти України</a:t>
+            </a:r>
+            <a:r>
+              <a:rPr lang="ru-RU" dirty="0"/>
+              <a:t/>
+            </a:r>
+            <a:br>
+              <a:rPr lang="ru-RU" dirty="0"/>
+            </a:br>
+            <a:r>
+              <a:rPr lang="uk-UA" dirty="0"/>
+              <a:t>Житомирський державний технологічний університет</a:t>
+            </a:r>
+            <a:r>
+              <a:rPr lang="ru-RU" dirty="0"/>
+              <a:t/>
+            </a:r>
+            <a:br>
+              <a:rPr lang="ru-RU" dirty="0"/>
+            </a:br>
+            <a:r>
+              <a:rPr lang="uk-UA" dirty="0"/>
+              <a:t> </a:t>
+            </a:r>
+            <a:r>
+              <a:rPr lang="ru-RU" dirty="0"/>
+              <a:t/>
+            </a:r>
+            <a:br>
+              <a:rPr lang="ru-RU" dirty="0"/>
+            </a:br>
+            <a:r>
+              <a:rPr lang="uk-UA" dirty="0"/>
+              <a:t>Кафедра інженерії програмного забезпечення </a:t>
+            </a:r>
+            <a:r>
+              <a:rPr lang="ru-RU" dirty="0"/>
+              <a:t/>
+            </a:r>
+            <a:br>
+              <a:rPr lang="ru-RU" dirty="0"/>
+            </a:br>
+            <a:r>
+              <a:rPr lang="uk-UA" dirty="0"/>
+              <a:t> </a:t>
+            </a:r>
+            <a:r>
+              <a:rPr lang="ru-RU" dirty="0"/>
+              <a:t/>
+            </a:r>
+            <a:br>
+              <a:rPr lang="ru-RU" dirty="0"/>
+            </a:br>
             <a:r>
               <a:rPr lang="uk-UA" dirty="0" smtClean="0"/>
-              <a:t>Презентація до курсового проекту </a:t>
+              <a:t>Презентація до курсового проекту</a:t>
+            </a:r>
+            <a:r>
+              <a:rPr lang="ru-RU" dirty="0"/>
+              <a:t/>
+            </a:r>
+            <a:br>
+              <a:rPr lang="ru-RU" dirty="0"/>
+            </a:br>
+            <a:r>
+              <a:rPr lang="uk-UA" dirty="0"/>
+              <a:t> </a:t>
             </a:r>
             <a:r>
               <a:rPr lang="uk-UA" dirty="0" smtClean="0"/>
-              <a:t>«База даних виконаних робіт з ландшафтного дизайну».</a:t>
-            </a:r>
-            <a:endParaRPr lang="ru-RU" dirty="0"/>
-          </a:p>
-        </p:txBody>
-      </p:sp>
-      <p:sp>
-        <p:nvSpPr>
-          <p:cNvPr id="3" name="Подзаголовок 2"/>
-          <p:cNvSpPr>
-            <a:spLocks noGrp="1"/>
-          </p:cNvSpPr>
-          <p:nvPr>
-            <p:ph type="subTitle" idx="1"/>
-          </p:nvPr>
-        </p:nvSpPr>
-        <p:spPr/>
-        <p:txBody>
-          <a:bodyPr/>
-          <a:lstStyle/>
-          <a:p>
-            <a:r>
-              <a:rPr lang="en-US" dirty="0" smtClean="0"/>
-              <a:t> </a:t>
-            </a:r>
+              <a:t/>
+            </a:r>
+            <a:br>
+              <a:rPr lang="uk-UA" dirty="0" smtClean="0"/>
+            </a:br>
+            <a:r>
+              <a:rPr lang="uk-UA" dirty="0"/>
+              <a:t>База даних виконаних робіт з ландшафтного дизайну</a:t>
+            </a:r>
+            <a:r>
+              <a:rPr lang="ru-RU" dirty="0"/>
+              <a:t/>
+            </a:r>
+            <a:br>
+              <a:rPr lang="ru-RU" dirty="0"/>
+            </a:br>
             <a:endParaRPr lang="ru-RU" dirty="0"/>
           </a:p>
         </p:txBody>
@@ -3534,7 +3591,7 @@
     </p:spTree>
     <p:extLst>
       <p:ext uri="{BB962C8B-B14F-4D97-AF65-F5344CB8AC3E}">
-        <p14:creationId xmlns:p14="http://schemas.microsoft.com/office/powerpoint/2010/main" val="2238281011"/>
+        <p14:creationId xmlns:p14="http://schemas.microsoft.com/office/powerpoint/2010/main" val="316705430"/>
       </p:ext>
     </p:extLst>
   </p:cSld>
@@ -3545,6 +3602,102 @@
 </file>
 
 <file path=ppt/slides/slide10.xml><?xml version="1.0" encoding="utf-8"?>
+<p:sld xmlns:a="http://schemas.openxmlformats.org/drawingml/2006/main" xmlns:r="http://schemas.openxmlformats.org/officeDocument/2006/relationships" xmlns:p="http://schemas.openxmlformats.org/presentationml/2006/main">
+  <p:cSld>
+    <p:spTree>
+      <p:nvGrpSpPr>
+        <p:cNvPr id="1" name=""/>
+        <p:cNvGrpSpPr/>
+        <p:nvPr/>
+      </p:nvGrpSpPr>
+      <p:grpSpPr>
+        <a:xfrm>
+          <a:off x="0" y="0"/>
+          <a:ext cx="0" cy="0"/>
+          <a:chOff x="0" y="0"/>
+          <a:chExt cx="0" cy="0"/>
+        </a:xfrm>
+      </p:grpSpPr>
+      <p:sp>
+        <p:nvSpPr>
+          <p:cNvPr id="2" name="Заголовок 1"/>
+          <p:cNvSpPr>
+            <a:spLocks noGrp="1"/>
+          </p:cNvSpPr>
+          <p:nvPr>
+            <p:ph type="title"/>
+          </p:nvPr>
+        </p:nvSpPr>
+        <p:spPr/>
+        <p:txBody>
+          <a:bodyPr/>
+          <a:lstStyle/>
+          <a:p>
+            <a:r>
+              <a:rPr lang="uk-UA" dirty="0" smtClean="0"/>
+              <a:t>Сторінка замовлення</a:t>
+            </a:r>
+            <a:endParaRPr lang="ru-RU" dirty="0"/>
+          </a:p>
+        </p:txBody>
+      </p:sp>
+      <p:sp>
+        <p:nvSpPr>
+          <p:cNvPr id="3" name="Объект 2"/>
+          <p:cNvSpPr>
+            <a:spLocks noGrp="1"/>
+          </p:cNvSpPr>
+          <p:nvPr>
+            <p:ph idx="1"/>
+          </p:nvPr>
+        </p:nvSpPr>
+        <p:spPr/>
+        <p:txBody>
+          <a:bodyPr/>
+          <a:lstStyle/>
+          <a:p>
+            <a:endParaRPr lang="ru-RU"/>
+          </a:p>
+        </p:txBody>
+      </p:sp>
+      <p:pic>
+        <p:nvPicPr>
+          <p:cNvPr id="4" name="Рисунок 3"/>
+          <p:cNvPicPr>
+            <a:picLocks noChangeAspect="1"/>
+          </p:cNvPicPr>
+          <p:nvPr/>
+        </p:nvPicPr>
+        <p:blipFill>
+          <a:blip r:embed="rId2"/>
+          <a:stretch>
+            <a:fillRect/>
+          </a:stretch>
+        </p:blipFill>
+        <p:spPr>
+          <a:xfrm>
+            <a:off x="518615" y="1691322"/>
+            <a:ext cx="10661152" cy="5166678"/>
+          </a:xfrm>
+          <a:prstGeom prst="rect">
+            <a:avLst/>
+          </a:prstGeom>
+        </p:spPr>
+      </p:pic>
+    </p:spTree>
+    <p:extLst>
+      <p:ext uri="{BB962C8B-B14F-4D97-AF65-F5344CB8AC3E}">
+        <p14:creationId xmlns:p14="http://schemas.microsoft.com/office/powerpoint/2010/main" val="4165529388"/>
+      </p:ext>
+    </p:extLst>
+  </p:cSld>
+  <p:clrMapOvr>
+    <a:masterClrMapping/>
+  </p:clrMapOvr>
+</p:sld>
+</file>
+
+<file path=ppt/slides/slide11.xml><?xml version="1.0" encoding="utf-8"?>
 <p:sld xmlns:a="http://schemas.openxmlformats.org/drawingml/2006/main" xmlns:r="http://schemas.openxmlformats.org/officeDocument/2006/relationships" xmlns:p="http://schemas.openxmlformats.org/presentationml/2006/main">
   <p:cSld>
     <p:spTree>
@@ -3640,7 +3793,7 @@
 </p:sld>
 </file>
 
-<file path=ppt/slides/slide11.xml><?xml version="1.0" encoding="utf-8"?>
+<file path=ppt/slides/slide12.xml><?xml version="1.0" encoding="utf-8"?>
 <p:sld xmlns:a="http://schemas.openxmlformats.org/drawingml/2006/main" xmlns:r="http://schemas.openxmlformats.org/officeDocument/2006/relationships" xmlns:p="http://schemas.openxmlformats.org/presentationml/2006/main">
   <p:cSld>
     <p:spTree>
@@ -3717,7 +3870,7 @@
 </p:sld>
 </file>
 
-<file path=ppt/slides/slide12.xml><?xml version="1.0" encoding="utf-8"?>
+<file path=ppt/slides/slide13.xml><?xml version="1.0" encoding="utf-8"?>
 <p:sld xmlns:a="http://schemas.openxmlformats.org/drawingml/2006/main" xmlns:r="http://schemas.openxmlformats.org/officeDocument/2006/relationships" xmlns:p="http://schemas.openxmlformats.org/presentationml/2006/main">
   <p:cSld>
     <p:spTree>
@@ -3813,7 +3966,7 @@
 </p:sld>
 </file>
 
-<file path=ppt/slides/slide13.xml><?xml version="1.0" encoding="utf-8"?>
+<file path=ppt/slides/slide14.xml><?xml version="1.0" encoding="utf-8"?>
 <p:sld xmlns:a="http://schemas.openxmlformats.org/drawingml/2006/main" xmlns:r="http://schemas.openxmlformats.org/officeDocument/2006/relationships" xmlns:p="http://schemas.openxmlformats.org/presentationml/2006/main">
   <p:cSld>
     <p:spTree>
@@ -3921,7 +4074,248 @@
 </p:sld>
 </file>
 
-<file path=ppt/slides/slide14.xml><?xml version="1.0" encoding="utf-8"?>
+<file path=ppt/slides/slide15.xml><?xml version="1.0" encoding="utf-8"?>
+<p:sld xmlns:a="http://schemas.openxmlformats.org/drawingml/2006/main" xmlns:r="http://schemas.openxmlformats.org/officeDocument/2006/relationships" xmlns:p="http://schemas.openxmlformats.org/presentationml/2006/main">
+  <p:cSld>
+    <p:spTree>
+      <p:nvGrpSpPr>
+        <p:cNvPr id="1" name=""/>
+        <p:cNvGrpSpPr/>
+        <p:nvPr/>
+      </p:nvGrpSpPr>
+      <p:grpSpPr>
+        <a:xfrm>
+          <a:off x="0" y="0"/>
+          <a:ext cx="0" cy="0"/>
+          <a:chOff x="0" y="0"/>
+          <a:chExt cx="0" cy="0"/>
+        </a:xfrm>
+      </p:grpSpPr>
+      <p:sp>
+        <p:nvSpPr>
+          <p:cNvPr id="2" name="Заголовок 1"/>
+          <p:cNvSpPr>
+            <a:spLocks noGrp="1"/>
+          </p:cNvSpPr>
+          <p:nvPr>
+            <p:ph type="title"/>
+          </p:nvPr>
+        </p:nvSpPr>
+        <p:spPr/>
+        <p:txBody>
+          <a:bodyPr/>
+          <a:lstStyle/>
+          <a:p>
+            <a:r>
+              <a:rPr lang="ru-RU" dirty="0" err="1" smtClean="0"/>
+              <a:t>Адм</a:t>
+            </a:r>
+            <a:r>
+              <a:rPr lang="uk-UA" dirty="0" err="1" smtClean="0"/>
+              <a:t>іністрування</a:t>
+            </a:r>
+            <a:endParaRPr lang="ru-RU" dirty="0"/>
+          </a:p>
+        </p:txBody>
+      </p:sp>
+      <p:pic>
+        <p:nvPicPr>
+          <p:cNvPr id="6" name="Объект 5"/>
+          <p:cNvPicPr>
+            <a:picLocks noGrp="1" noChangeAspect="1"/>
+          </p:cNvPicPr>
+          <p:nvPr>
+            <p:ph idx="1"/>
+          </p:nvPr>
+        </p:nvPicPr>
+        <p:blipFill>
+          <a:blip r:embed="rId2"/>
+          <a:stretch>
+            <a:fillRect/>
+          </a:stretch>
+        </p:blipFill>
+        <p:spPr>
+          <a:xfrm>
+            <a:off x="0" y="1691322"/>
+            <a:ext cx="11237525" cy="3931556"/>
+          </a:xfrm>
+          <a:prstGeom prst="rect">
+            <a:avLst/>
+          </a:prstGeom>
+        </p:spPr>
+      </p:pic>
+    </p:spTree>
+    <p:extLst>
+      <p:ext uri="{BB962C8B-B14F-4D97-AF65-F5344CB8AC3E}">
+        <p14:creationId xmlns:p14="http://schemas.microsoft.com/office/powerpoint/2010/main" val="3243407325"/>
+      </p:ext>
+    </p:extLst>
+  </p:cSld>
+  <p:clrMapOvr>
+    <a:masterClrMapping/>
+  </p:clrMapOvr>
+</p:sld>
+</file>
+
+<file path=ppt/slides/slide16.xml><?xml version="1.0" encoding="utf-8"?>
+<p:sld xmlns:a="http://schemas.openxmlformats.org/drawingml/2006/main" xmlns:r="http://schemas.openxmlformats.org/officeDocument/2006/relationships" xmlns:p="http://schemas.openxmlformats.org/presentationml/2006/main">
+  <p:cSld>
+    <p:spTree>
+      <p:nvGrpSpPr>
+        <p:cNvPr id="1" name=""/>
+        <p:cNvGrpSpPr/>
+        <p:nvPr/>
+      </p:nvGrpSpPr>
+      <p:grpSpPr>
+        <a:xfrm>
+          <a:off x="0" y="0"/>
+          <a:ext cx="0" cy="0"/>
+          <a:chOff x="0" y="0"/>
+          <a:chExt cx="0" cy="0"/>
+        </a:xfrm>
+      </p:grpSpPr>
+      <p:sp>
+        <p:nvSpPr>
+          <p:cNvPr id="2" name="Заголовок 1"/>
+          <p:cNvSpPr>
+            <a:spLocks noGrp="1"/>
+          </p:cNvSpPr>
+          <p:nvPr>
+            <p:ph type="title"/>
+          </p:nvPr>
+        </p:nvSpPr>
+        <p:spPr/>
+        <p:txBody>
+          <a:bodyPr/>
+          <a:lstStyle/>
+          <a:p>
+            <a:r>
+              <a:rPr lang="uk-UA" dirty="0" smtClean="0"/>
+              <a:t>Вікно замовлень для не адміністратора</a:t>
+            </a:r>
+            <a:endParaRPr lang="ru-RU" dirty="0"/>
+          </a:p>
+        </p:txBody>
+      </p:sp>
+      <p:pic>
+        <p:nvPicPr>
+          <p:cNvPr id="4" name="Объект 3"/>
+          <p:cNvPicPr>
+            <a:picLocks noGrp="1" noChangeAspect="1"/>
+          </p:cNvPicPr>
+          <p:nvPr>
+            <p:ph idx="1"/>
+          </p:nvPr>
+        </p:nvPicPr>
+        <p:blipFill>
+          <a:blip r:embed="rId2"/>
+          <a:stretch>
+            <a:fillRect/>
+          </a:stretch>
+        </p:blipFill>
+        <p:spPr>
+          <a:xfrm>
+            <a:off x="-6238" y="1691322"/>
+            <a:ext cx="11265642" cy="4223275"/>
+          </a:xfrm>
+          <a:prstGeom prst="rect">
+            <a:avLst/>
+          </a:prstGeom>
+        </p:spPr>
+      </p:pic>
+    </p:spTree>
+    <p:extLst>
+      <p:ext uri="{BB962C8B-B14F-4D97-AF65-F5344CB8AC3E}">
+        <p14:creationId xmlns:p14="http://schemas.microsoft.com/office/powerpoint/2010/main" val="420650738"/>
+      </p:ext>
+    </p:extLst>
+  </p:cSld>
+  <p:clrMapOvr>
+    <a:masterClrMapping/>
+  </p:clrMapOvr>
+</p:sld>
+</file>
+
+<file path=ppt/slides/slide17.xml><?xml version="1.0" encoding="utf-8"?>
+<p:sld xmlns:a="http://schemas.openxmlformats.org/drawingml/2006/main" xmlns:r="http://schemas.openxmlformats.org/officeDocument/2006/relationships" xmlns:p="http://schemas.openxmlformats.org/presentationml/2006/main">
+  <p:cSld>
+    <p:spTree>
+      <p:nvGrpSpPr>
+        <p:cNvPr id="1" name=""/>
+        <p:cNvGrpSpPr/>
+        <p:nvPr/>
+      </p:nvGrpSpPr>
+      <p:grpSpPr>
+        <a:xfrm>
+          <a:off x="0" y="0"/>
+          <a:ext cx="0" cy="0"/>
+          <a:chOff x="0" y="0"/>
+          <a:chExt cx="0" cy="0"/>
+        </a:xfrm>
+      </p:grpSpPr>
+      <p:sp>
+        <p:nvSpPr>
+          <p:cNvPr id="2" name="Заголовок 1"/>
+          <p:cNvSpPr>
+            <a:spLocks noGrp="1"/>
+          </p:cNvSpPr>
+          <p:nvPr>
+            <p:ph type="title"/>
+          </p:nvPr>
+        </p:nvSpPr>
+        <p:spPr/>
+        <p:txBody>
+          <a:bodyPr/>
+          <a:lstStyle/>
+          <a:p>
+            <a:r>
+              <a:rPr lang="uk-UA" dirty="0" smtClean="0"/>
+              <a:t>Вікно перегляду та редагування ролей</a:t>
+            </a:r>
+            <a:endParaRPr lang="ru-RU" dirty="0"/>
+          </a:p>
+        </p:txBody>
+      </p:sp>
+      <p:pic>
+        <p:nvPicPr>
+          <p:cNvPr id="4" name="Объект 3"/>
+          <p:cNvPicPr>
+            <a:picLocks noGrp="1" noChangeAspect="1"/>
+          </p:cNvPicPr>
+          <p:nvPr>
+            <p:ph idx="1"/>
+          </p:nvPr>
+        </p:nvPicPr>
+        <p:blipFill>
+          <a:blip r:embed="rId2"/>
+          <a:stretch>
+            <a:fillRect/>
+          </a:stretch>
+        </p:blipFill>
+        <p:spPr>
+          <a:xfrm>
+            <a:off x="0" y="1691322"/>
+            <a:ext cx="11286699" cy="3513489"/>
+          </a:xfrm>
+          <a:prstGeom prst="rect">
+            <a:avLst/>
+          </a:prstGeom>
+        </p:spPr>
+      </p:pic>
+    </p:spTree>
+    <p:extLst>
+      <p:ext uri="{BB962C8B-B14F-4D97-AF65-F5344CB8AC3E}">
+        <p14:creationId xmlns:p14="http://schemas.microsoft.com/office/powerpoint/2010/main" val="2503578107"/>
+      </p:ext>
+    </p:extLst>
+  </p:cSld>
+  <p:clrMapOvr>
+    <a:masterClrMapping/>
+  </p:clrMapOvr>
+</p:sld>
+</file>
+
+<file path=ppt/slides/slide18.xml><?xml version="1.0" encoding="utf-8"?>
 <p:sld xmlns:a="http://schemas.openxmlformats.org/drawingml/2006/main" xmlns:r="http://schemas.openxmlformats.org/officeDocument/2006/relationships" xmlns:p="http://schemas.openxmlformats.org/presentationml/2006/main">
   <p:cSld>
     <p:spTree>
@@ -4044,11 +4438,7 @@
           <a:p>
             <a:r>
               <a:rPr lang="en-US" sz="2000" dirty="0" smtClean="0"/>
-              <a:t>Microsoft Visual </a:t>
-            </a:r>
-            <a:r>
-              <a:rPr lang="en-US" sz="2000" dirty="0" smtClean="0"/>
-              <a:t>Studio</a:t>
+              <a:t>Microsoft Visual Studio</a:t>
             </a:r>
             <a:r>
               <a:rPr lang="ru-RU" sz="2000" dirty="0" smtClean="0"/>
@@ -4128,6 +4518,85 @@
 </file>
 
 <file path=ppt/slides/slide3.xml><?xml version="1.0" encoding="utf-8"?>
+<p:sld xmlns:a="http://schemas.openxmlformats.org/drawingml/2006/main" xmlns:r="http://schemas.openxmlformats.org/officeDocument/2006/relationships" xmlns:p="http://schemas.openxmlformats.org/presentationml/2006/main">
+  <p:cSld>
+    <p:spTree>
+      <p:nvGrpSpPr>
+        <p:cNvPr id="1" name=""/>
+        <p:cNvGrpSpPr/>
+        <p:nvPr/>
+      </p:nvGrpSpPr>
+      <p:grpSpPr>
+        <a:xfrm>
+          <a:off x="0" y="0"/>
+          <a:ext cx="0" cy="0"/>
+          <a:chOff x="0" y="0"/>
+          <a:chExt cx="0" cy="0"/>
+        </a:xfrm>
+      </p:grpSpPr>
+      <p:sp>
+        <p:nvSpPr>
+          <p:cNvPr id="2" name="Заголовок 1"/>
+          <p:cNvSpPr>
+            <a:spLocks noGrp="1"/>
+          </p:cNvSpPr>
+          <p:nvPr>
+            <p:ph type="title"/>
+          </p:nvPr>
+        </p:nvSpPr>
+        <p:spPr/>
+        <p:txBody>
+          <a:bodyPr/>
+          <a:lstStyle/>
+          <a:p>
+            <a:r>
+              <a:rPr lang="uk-UA" dirty="0" smtClean="0"/>
+              <a:t>Структура бази даних</a:t>
+            </a:r>
+            <a:endParaRPr lang="ru-RU" dirty="0"/>
+          </a:p>
+        </p:txBody>
+      </p:sp>
+      <p:pic>
+        <p:nvPicPr>
+          <p:cNvPr id="4" name="Объект 3"/>
+          <p:cNvPicPr>
+            <a:picLocks noGrp="1" noChangeAspect="1"/>
+          </p:cNvPicPr>
+          <p:nvPr>
+            <p:ph idx="1"/>
+          </p:nvPr>
+        </p:nvPicPr>
+        <p:blipFill>
+          <a:blip r:embed="rId2"/>
+          <a:stretch>
+            <a:fillRect/>
+          </a:stretch>
+        </p:blipFill>
+        <p:spPr>
+          <a:xfrm>
+            <a:off x="1998851" y="1691322"/>
+            <a:ext cx="7991310" cy="5402289"/>
+          </a:xfrm>
+          <a:prstGeom prst="rect">
+            <a:avLst/>
+          </a:prstGeom>
+        </p:spPr>
+      </p:pic>
+    </p:spTree>
+    <p:extLst>
+      <p:ext uri="{BB962C8B-B14F-4D97-AF65-F5344CB8AC3E}">
+        <p14:creationId xmlns:p14="http://schemas.microsoft.com/office/powerpoint/2010/main" val="1604270600"/>
+      </p:ext>
+    </p:extLst>
+  </p:cSld>
+  <p:clrMapOvr>
+    <a:masterClrMapping/>
+  </p:clrMapOvr>
+</p:sld>
+</file>
+
+<file path=ppt/slides/slide4.xml><?xml version="1.0" encoding="utf-8"?>
 <p:sld xmlns:a="http://schemas.openxmlformats.org/drawingml/2006/main" xmlns:r="http://schemas.openxmlformats.org/officeDocument/2006/relationships" xmlns:p="http://schemas.openxmlformats.org/presentationml/2006/main">
   <p:cSld>
     <p:spTree>
@@ -4223,7 +4692,7 @@
 </p:sld>
 </file>
 
-<file path=ppt/slides/slide4.xml><?xml version="1.0" encoding="utf-8"?>
+<file path=ppt/slides/slide5.xml><?xml version="1.0" encoding="utf-8"?>
 <p:sld xmlns:a="http://schemas.openxmlformats.org/drawingml/2006/main" xmlns:r="http://schemas.openxmlformats.org/officeDocument/2006/relationships" xmlns:p="http://schemas.openxmlformats.org/presentationml/2006/main">
   <p:cSld>
     <p:spTree>
@@ -4302,7 +4771,7 @@
 </p:sld>
 </file>
 
-<file path=ppt/slides/slide5.xml><?xml version="1.0" encoding="utf-8"?>
+<file path=ppt/slides/slide6.xml><?xml version="1.0" encoding="utf-8"?>
 <p:sld xmlns:a="http://schemas.openxmlformats.org/drawingml/2006/main" xmlns:r="http://schemas.openxmlformats.org/officeDocument/2006/relationships" xmlns:p="http://schemas.openxmlformats.org/presentationml/2006/main">
   <p:cSld>
     <p:spTree>
@@ -4398,7 +4867,7 @@
 </p:sld>
 </file>
 
-<file path=ppt/slides/slide6.xml><?xml version="1.0" encoding="utf-8"?>
+<file path=ppt/slides/slide7.xml><?xml version="1.0" encoding="utf-8"?>
 <p:sld xmlns:a="http://schemas.openxmlformats.org/drawingml/2006/main" xmlns:r="http://schemas.openxmlformats.org/officeDocument/2006/relationships" xmlns:p="http://schemas.openxmlformats.org/presentationml/2006/main">
   <p:cSld>
     <p:spTree>
@@ -4477,7 +4946,7 @@
 </p:sld>
 </file>
 
-<file path=ppt/slides/slide7.xml><?xml version="1.0" encoding="utf-8"?>
+<file path=ppt/slides/slide8.xml><?xml version="1.0" encoding="utf-8"?>
 <p:sld xmlns:a="http://schemas.openxmlformats.org/drawingml/2006/main" xmlns:r="http://schemas.openxmlformats.org/officeDocument/2006/relationships" xmlns:p="http://schemas.openxmlformats.org/presentationml/2006/main">
   <p:cSld>
     <p:spTree>
@@ -4554,7 +5023,7 @@
 </p:sld>
 </file>
 
-<file path=ppt/slides/slide8.xml><?xml version="1.0" encoding="utf-8"?>
+<file path=ppt/slides/slide9.xml><?xml version="1.0" encoding="utf-8"?>
 <p:sld xmlns:a="http://schemas.openxmlformats.org/drawingml/2006/main" xmlns:r="http://schemas.openxmlformats.org/officeDocument/2006/relationships" xmlns:p="http://schemas.openxmlformats.org/presentationml/2006/main">
   <p:cSld>
     <p:spTree>
@@ -4641,102 +5110,6 @@
     <p:extLst>
       <p:ext uri="{BB962C8B-B14F-4D97-AF65-F5344CB8AC3E}">
         <p14:creationId xmlns:p14="http://schemas.microsoft.com/office/powerpoint/2010/main" val="2971038332"/>
-      </p:ext>
-    </p:extLst>
-  </p:cSld>
-  <p:clrMapOvr>
-    <a:masterClrMapping/>
-  </p:clrMapOvr>
-</p:sld>
-</file>
-
-<file path=ppt/slides/slide9.xml><?xml version="1.0" encoding="utf-8"?>
-<p:sld xmlns:a="http://schemas.openxmlformats.org/drawingml/2006/main" xmlns:r="http://schemas.openxmlformats.org/officeDocument/2006/relationships" xmlns:p="http://schemas.openxmlformats.org/presentationml/2006/main">
-  <p:cSld>
-    <p:spTree>
-      <p:nvGrpSpPr>
-        <p:cNvPr id="1" name=""/>
-        <p:cNvGrpSpPr/>
-        <p:nvPr/>
-      </p:nvGrpSpPr>
-      <p:grpSpPr>
-        <a:xfrm>
-          <a:off x="0" y="0"/>
-          <a:ext cx="0" cy="0"/>
-          <a:chOff x="0" y="0"/>
-          <a:chExt cx="0" cy="0"/>
-        </a:xfrm>
-      </p:grpSpPr>
-      <p:sp>
-        <p:nvSpPr>
-          <p:cNvPr id="2" name="Заголовок 1"/>
-          <p:cNvSpPr>
-            <a:spLocks noGrp="1"/>
-          </p:cNvSpPr>
-          <p:nvPr>
-            <p:ph type="title"/>
-          </p:nvPr>
-        </p:nvSpPr>
-        <p:spPr/>
-        <p:txBody>
-          <a:bodyPr/>
-          <a:lstStyle/>
-          <a:p>
-            <a:r>
-              <a:rPr lang="uk-UA" dirty="0" smtClean="0"/>
-              <a:t>Сторінка замовлення</a:t>
-            </a:r>
-            <a:endParaRPr lang="ru-RU" dirty="0"/>
-          </a:p>
-        </p:txBody>
-      </p:sp>
-      <p:sp>
-        <p:nvSpPr>
-          <p:cNvPr id="3" name="Объект 2"/>
-          <p:cNvSpPr>
-            <a:spLocks noGrp="1"/>
-          </p:cNvSpPr>
-          <p:nvPr>
-            <p:ph idx="1"/>
-          </p:nvPr>
-        </p:nvSpPr>
-        <p:spPr/>
-        <p:txBody>
-          <a:bodyPr/>
-          <a:lstStyle/>
-          <a:p>
-            <a:endParaRPr lang="ru-RU"/>
-          </a:p>
-        </p:txBody>
-      </p:sp>
-      <p:pic>
-        <p:nvPicPr>
-          <p:cNvPr id="4" name="Рисунок 3"/>
-          <p:cNvPicPr>
-            <a:picLocks noChangeAspect="1"/>
-          </p:cNvPicPr>
-          <p:nvPr/>
-        </p:nvPicPr>
-        <p:blipFill>
-          <a:blip r:embed="rId2"/>
-          <a:stretch>
-            <a:fillRect/>
-          </a:stretch>
-        </p:blipFill>
-        <p:spPr>
-          <a:xfrm>
-            <a:off x="518615" y="1691322"/>
-            <a:ext cx="10661152" cy="5166678"/>
-          </a:xfrm>
-          <a:prstGeom prst="rect">
-            <a:avLst/>
-          </a:prstGeom>
-        </p:spPr>
-      </p:pic>
-    </p:spTree>
-    <p:extLst>
-      <p:ext uri="{BB962C8B-B14F-4D97-AF65-F5344CB8AC3E}">
-        <p14:creationId xmlns:p14="http://schemas.microsoft.com/office/powerpoint/2010/main" val="4165529388"/>
       </p:ext>
     </p:extLst>
   </p:cSld>
